--- a/eece2160/sp16/lectures/eece.2160sp16_lec9_while.pptx
+++ b/eece2160/sp16/lectures/eece.2160sp16_lec9_while.pptx
@@ -1332,7 +1332,7 @@
           <a:p>
             <a:fld id="{6E317898-95E1-C044-8A6D-F388980CDC8F}" type="datetime1">
               <a:rPr lang="en-US" smtClean="0"/>
-              <a:t>2/9/16</a:t>
+              <a:t>2/11/16</a:t>
             </a:fld>
             <a:endParaRPr lang="en-US"/>
           </a:p>
@@ -1529,7 +1529,7 @@
           <a:p>
             <a:fld id="{E4AA9043-965F-6249-8DEC-0AE3739D5BC9}" type="datetime1">
               <a:rPr lang="en-US" smtClean="0"/>
-              <a:t>2/9/16</a:t>
+              <a:t>2/11/16</a:t>
             </a:fld>
             <a:endParaRPr lang="en-US"/>
           </a:p>
@@ -1735,7 +1735,7 @@
           <a:p>
             <a:fld id="{D21A54E5-A28A-BD42-84E3-F7965123D7DB}" type="datetime1">
               <a:rPr lang="en-US" smtClean="0"/>
-              <a:t>2/9/16</a:t>
+              <a:t>2/11/16</a:t>
             </a:fld>
             <a:endParaRPr lang="en-US"/>
           </a:p>
@@ -1998,7 +1998,7 @@
           <a:p>
             <a:fld id="{637B5840-77EA-5644-98DD-EC5475016DFC}" type="datetime1">
               <a:rPr lang="en-US" smtClean="0"/>
-              <a:t>2/9/16</a:t>
+              <a:t>2/11/16</a:t>
             </a:fld>
             <a:endParaRPr lang="en-US"/>
           </a:p>
@@ -2261,7 +2261,7 @@
           <a:p>
             <a:fld id="{6A941C2C-71B4-364F-8AE4-B29F9F37696B}" type="datetime1">
               <a:rPr lang="en-US" smtClean="0"/>
-              <a:t>2/9/16</a:t>
+              <a:t>2/11/16</a:t>
             </a:fld>
             <a:endParaRPr lang="en-US"/>
           </a:p>
@@ -2457,7 +2457,7 @@
           <a:p>
             <a:fld id="{F0CFAF48-9DE5-864E-85E6-40D61CD91AC3}" type="datetime1">
               <a:rPr lang="en-US" smtClean="0"/>
-              <a:t>2/9/16</a:t>
+              <a:t>2/11/16</a:t>
             </a:fld>
             <a:endParaRPr lang="en-US"/>
           </a:p>
@@ -2675,7 +2675,7 @@
           <a:p>
             <a:fld id="{2E27A247-935A-9E4B-B9BB-2D417F759522}" type="datetime1">
               <a:rPr lang="en-US" smtClean="0"/>
-              <a:t>2/9/16</a:t>
+              <a:t>2/11/16</a:t>
             </a:fld>
             <a:endParaRPr lang="en-US"/>
           </a:p>
@@ -2989,7 +2989,7 @@
           <a:p>
             <a:fld id="{483FD388-2E81-434D-85DD-8DAC1B9A8AC5}" type="datetime1">
               <a:rPr lang="en-US" smtClean="0"/>
-              <a:t>2/9/16</a:t>
+              <a:t>2/11/16</a:t>
             </a:fld>
             <a:endParaRPr lang="en-US"/>
           </a:p>
@@ -3442,7 +3442,7 @@
           <a:p>
             <a:fld id="{9CF5AC3F-2A14-3847-8213-31A1315D2B4B}" type="datetime1">
               <a:rPr lang="en-US" smtClean="0"/>
-              <a:t>2/9/16</a:t>
+              <a:t>2/11/16</a:t>
             </a:fld>
             <a:endParaRPr lang="en-US"/>
           </a:p>
@@ -3586,7 +3586,7 @@
           <a:p>
             <a:fld id="{53D3775A-F224-974B-9623-56023BDEAEBA}" type="datetime1">
               <a:rPr lang="en-US" smtClean="0"/>
-              <a:t>2/9/16</a:t>
+              <a:t>2/11/16</a:t>
             </a:fld>
             <a:endParaRPr lang="en-US"/>
           </a:p>
@@ -3707,7 +3707,7 @@
           <a:p>
             <a:fld id="{338EBF1F-D1E5-B54A-9DAE-A3B02CD11A47}" type="datetime1">
               <a:rPr lang="en-US" smtClean="0"/>
-              <a:t>2/9/16</a:t>
+              <a:t>2/11/16</a:t>
             </a:fld>
             <a:endParaRPr lang="en-US"/>
           </a:p>
@@ -4010,7 +4010,7 @@
           <a:p>
             <a:fld id="{A027C7B7-01D5-6745-B6A3-CBAC08761F83}" type="datetime1">
               <a:rPr lang="en-US" smtClean="0"/>
-              <a:t>2/9/16</a:t>
+              <a:t>2/11/16</a:t>
             </a:fld>
             <a:endParaRPr lang="en-US"/>
           </a:p>
@@ -4290,7 +4290,7 @@
           <a:p>
             <a:fld id="{B2136D1C-9306-AC43-B934-35F8CFF9F04F}" type="datetime1">
               <a:rPr lang="en-US" smtClean="0"/>
-              <a:t>2/9/16</a:t>
+              <a:t>2/11/16</a:t>
             </a:fld>
             <a:endParaRPr lang="en-US"/>
           </a:p>
@@ -4589,7 +4589,7 @@
           <a:p>
             <a:fld id="{DB33FC28-1060-B54D-9480-84C8ECE6832E}" type="datetime1">
               <a:rPr lang="en-US" smtClean="0"/>
-              <a:t>2/9/16</a:t>
+              <a:t>2/11/16</a:t>
             </a:fld>
             <a:endParaRPr lang="en-US"/>
           </a:p>
@@ -6066,7 +6066,7 @@
               <a:rPr lang="en-US" sz="1200" smtClean="0">
                 <a:latin typeface="Garamond" charset="0"/>
               </a:rPr>
-              <a:t>2/9/16</a:t>
+              <a:t>2/11/16</a:t>
             </a:fld>
             <a:endParaRPr lang="en-US" sz="1200">
               <a:latin typeface="Garamond" charset="0"/>
@@ -6596,7 +6596,7 @@
               <a:rPr lang="en-US" sz="1200" smtClean="0">
                 <a:latin typeface="Garamond" charset="0"/>
               </a:rPr>
-              <a:t>2/9/16</a:t>
+              <a:t>2/11/16</a:t>
             </a:fld>
             <a:endParaRPr lang="en-US" sz="1200">
               <a:latin typeface="Garamond" charset="0"/>
@@ -7122,7 +7122,7 @@
               <a:rPr lang="en-US" sz="1200" smtClean="0">
                 <a:latin typeface="Garamond" charset="0"/>
               </a:rPr>
-              <a:t>2/9/16</a:t>
+              <a:t>2/11/16</a:t>
             </a:fld>
             <a:endParaRPr lang="en-US" sz="1200">
               <a:latin typeface="Garamond" charset="0"/>
@@ -9279,7 +9279,7 @@
               <a:rPr lang="en-US" sz="1200" smtClean="0">
                 <a:latin typeface="Garamond" charset="0"/>
               </a:rPr>
-              <a:t>2/9/16</a:t>
+              <a:t>2/11/16</a:t>
             </a:fld>
             <a:endParaRPr lang="en-US" sz="1200">
               <a:latin typeface="Garamond" charset="0"/>
@@ -10111,7 +10111,7 @@
               <a:rPr lang="en-US" sz="1200" smtClean="0">
                 <a:latin typeface="Garamond" charset="0"/>
               </a:rPr>
-              <a:t>2/9/16</a:t>
+              <a:t>2/11/16</a:t>
             </a:fld>
             <a:endParaRPr lang="en-US" sz="1200">
               <a:latin typeface="Garamond" charset="0"/>
@@ -10779,7 +10779,7 @@
               <a:rPr lang="en-US" sz="1200" smtClean="0">
                 <a:latin typeface="Garamond" charset="0"/>
               </a:rPr>
-              <a:t>2/9/16</a:t>
+              <a:t>2/11/16</a:t>
             </a:fld>
             <a:endParaRPr lang="en-US" sz="1200">
               <a:latin typeface="Garamond" charset="0"/>
@@ -11448,7 +11448,7 @@
               <a:rPr lang="en-US" sz="1200" smtClean="0">
                 <a:latin typeface="Garamond" charset="0"/>
               </a:rPr>
-              <a:t>2/9/16</a:t>
+              <a:t>2/11/16</a:t>
             </a:fld>
             <a:endParaRPr lang="en-US" sz="1200">
               <a:latin typeface="Garamond" charset="0"/>
@@ -11694,8 +11694,29 @@
               <a:rPr lang="en-US" dirty="0">
                 <a:latin typeface="Arial" charset="0"/>
               </a:rPr>
-              <a:t>Next time</a:t>
-            </a:r>
+              <a:t>Next </a:t>
+            </a:r>
+            <a:r>
+              <a:rPr lang="en-US" dirty="0" smtClean="0">
+                <a:latin typeface="Arial" charset="0"/>
+              </a:rPr>
+              <a:t>time </a:t>
+            </a:r>
+            <a:r>
+              <a:rPr lang="en-US" dirty="0" smtClean="0">
+                <a:solidFill>
+                  <a:srgbClr val="FF0000"/>
+                </a:solidFill>
+                <a:latin typeface="Arial" charset="0"/>
+              </a:rPr>
+              <a:t>(Tuesday, 2/16)</a:t>
+            </a:r>
+            <a:endParaRPr lang="en-US" dirty="0">
+              <a:solidFill>
+                <a:srgbClr val="FF0000"/>
+              </a:solidFill>
+              <a:latin typeface="Arial" charset="0"/>
+            </a:endParaRPr>
           </a:p>
           <a:p>
             <a:pPr lvl="1"/>
@@ -11741,16 +11762,28 @@
               <a:rPr lang="en-US" dirty="0">
                 <a:latin typeface="Arial" charset="0"/>
               </a:rPr>
-              <a:t>Exam 1: Wednesday, 2</a:t>
+              <a:t>Exam 1</a:t>
             </a:r>
             <a:r>
               <a:rPr lang="en-US">
                 <a:latin typeface="Arial" charset="0"/>
               </a:rPr>
-              <a:t>/</a:t>
+              <a:t>: </a:t>
             </a:r>
             <a:r>
               <a:rPr lang="en-US" smtClean="0">
+                <a:latin typeface="Arial" charset="0"/>
+              </a:rPr>
+              <a:t>Friday, </a:t>
+            </a:r>
+            <a:r>
+              <a:rPr lang="en-US" dirty="0">
+                <a:latin typeface="Arial" charset="0"/>
+              </a:rPr>
+              <a:t>2/</a:t>
+            </a:r>
+            <a:r>
+              <a:rPr lang="en-US" dirty="0" smtClean="0">
                 <a:latin typeface="Arial" charset="0"/>
               </a:rPr>
               <a:t>19</a:t>
@@ -11910,7 +11943,7 @@
               <a:rPr lang="en-US" sz="1200" smtClean="0">
                 <a:latin typeface="Garamond" charset="0"/>
               </a:rPr>
-              <a:t>2/9/16</a:t>
+              <a:t>2/11/16</a:t>
             </a:fld>
             <a:endParaRPr lang="en-US" sz="1200">
               <a:latin typeface="Garamond" charset="0"/>
@@ -12162,10 +12195,25 @@
           <a:p>
             <a:pPr lvl="1"/>
             <a:r>
+              <a:rPr lang="en-US" dirty="0" smtClean="0">
+                <a:latin typeface="Arial" charset="0"/>
+              </a:rPr>
+              <a:t>Next lecture Tuesday, not Monday</a:t>
+            </a:r>
+          </a:p>
+          <a:p>
+            <a:pPr lvl="1"/>
+            <a:r>
+              <a:rPr lang="en-US" dirty="0" smtClean="0">
+                <a:latin typeface="Arial" charset="0"/>
+              </a:rPr>
+              <a:t>Program </a:t>
+            </a:r>
+            <a:r>
               <a:rPr lang="en-US" dirty="0">
                 <a:latin typeface="Arial" charset="0"/>
               </a:rPr>
-              <a:t>Program 3 due 2/</a:t>
+              <a:t>3 due 2/</a:t>
             </a:r>
             <a:r>
               <a:rPr lang="en-US" dirty="0" smtClean="0">
@@ -12183,7 +12231,19 @@
               <a:rPr lang="en-US" dirty="0">
                 <a:latin typeface="Arial" charset="0"/>
               </a:rPr>
-              <a:t>Exam 1: Wednesday, 2/</a:t>
+              <a:t>Exam 1: </a:t>
+            </a:r>
+            <a:r>
+              <a:rPr lang="en-US" dirty="0" smtClean="0">
+                <a:latin typeface="Arial" charset="0"/>
+              </a:rPr>
+              <a:t>Friday, </a:t>
+            </a:r>
+            <a:r>
+              <a:rPr lang="en-US" dirty="0">
+                <a:latin typeface="Arial" charset="0"/>
+              </a:rPr>
+              <a:t>2/</a:t>
             </a:r>
             <a:r>
               <a:rPr lang="en-US" dirty="0" smtClean="0">
@@ -12383,7 +12443,7 @@
               <a:rPr lang="en-US" sz="1200" smtClean="0">
                 <a:latin typeface="Garamond" charset="0"/>
               </a:rPr>
-              <a:t>2/9/16</a:t>
+              <a:t>2/11/16</a:t>
             </a:fld>
             <a:endParaRPr lang="en-US" sz="1200">
               <a:latin typeface="Garamond" charset="0"/>
@@ -13013,7 +13073,7 @@
               <a:rPr lang="en-US" sz="1200" smtClean="0">
                 <a:latin typeface="Garamond" charset="0"/>
               </a:rPr>
-              <a:t>2/9/16</a:t>
+              <a:t>2/11/16</a:t>
             </a:fld>
             <a:endParaRPr lang="en-US" sz="1200">
               <a:latin typeface="Garamond" charset="0"/>
@@ -14011,7 +14071,7 @@
               <a:rPr lang="en-US" sz="1200" smtClean="0">
                 <a:latin typeface="Garamond" charset="0"/>
               </a:rPr>
-              <a:t>2/9/16</a:t>
+              <a:t>2/11/16</a:t>
             </a:fld>
             <a:endParaRPr lang="en-US" sz="1200">
               <a:latin typeface="Garamond" charset="0"/>
@@ -14603,7 +14663,7 @@
               <a:rPr lang="en-US" sz="1200" smtClean="0">
                 <a:latin typeface="Garamond" charset="0"/>
               </a:rPr>
-              <a:t>2/9/16</a:t>
+              <a:t>2/11/16</a:t>
             </a:fld>
             <a:endParaRPr lang="en-US" sz="1200">
               <a:latin typeface="Garamond" charset="0"/>
@@ -15176,7 +15236,7 @@
               <a:rPr lang="en-US" sz="1200" smtClean="0">
                 <a:latin typeface="Garamond" charset="0"/>
               </a:rPr>
-              <a:t>2/9/16</a:t>
+              <a:t>2/11/16</a:t>
             </a:fld>
             <a:endParaRPr lang="en-US" sz="1200">
               <a:latin typeface="Garamond" charset="0"/>
@@ -16015,7 +16075,7 @@
               <a:rPr lang="en-US" sz="1200" smtClean="0">
                 <a:latin typeface="Garamond" charset="0"/>
               </a:rPr>
-              <a:t>2/9/16</a:t>
+              <a:t>2/11/16</a:t>
             </a:fld>
             <a:endParaRPr lang="en-US" sz="1200">
               <a:latin typeface="Garamond" charset="0"/>
@@ -17347,7 +17407,7 @@
               <a:rPr lang="en-US" sz="1200" smtClean="0">
                 <a:latin typeface="Garamond" charset="0"/>
               </a:rPr>
-              <a:t>2/9/16</a:t>
+              <a:t>2/11/16</a:t>
             </a:fld>
             <a:endParaRPr lang="en-US" sz="1200">
               <a:latin typeface="Garamond" charset="0"/>
@@ -18047,7 +18107,7 @@
               <a:rPr lang="en-US" sz="1200" smtClean="0">
                 <a:latin typeface="Garamond" charset="0"/>
               </a:rPr>
-              <a:t>2/9/16</a:t>
+              <a:t>2/11/16</a:t>
             </a:fld>
             <a:endParaRPr lang="en-US" sz="1200">
               <a:latin typeface="Garamond" charset="0"/>
